--- a/teach/dcs290/slides/lec_17.pptx
+++ b/teach/dcs290/slides/lec_17.pptx
@@ -288,7 +288,7 @@
               <a:pPr>
                 <a:defRPr/>
               </a:pPr>
-              <a:t>2021/5/17</a:t>
+              <a:t>2021/7/1</a:t>
             </a:fld>
             <a:endParaRPr lang="zh-CN" altLang="en-US"/>
           </a:p>
@@ -506,7 +506,7 @@
               <a:pPr>
                 <a:defRPr/>
               </a:pPr>
-              <a:t>2021/5/17</a:t>
+              <a:t>2021/7/1</a:t>
             </a:fld>
             <a:endParaRPr lang="zh-CN" altLang="en-US"/>
           </a:p>
@@ -2373,7 +2373,7 @@
           <a:p>
             <a:r>
               <a:rPr lang="en-US" altLang="zh-CN" sz="3900" dirty="0"/>
-              <a:t>DCS290, 05/13/2021</a:t>
+              <a:t>DCS290, 5/13/2021</a:t>
             </a:r>
           </a:p>
         </p:txBody>
@@ -2539,14 +2539,18 @@
           <a:p>
             <a:r>
               <a:rPr lang="en-US" dirty="0"/>
-              <a:t>Incremental Translation[</a:t>
-            </a:r>
-            <a:r>
-              <a:rPr lang="zh-CN" altLang="en-US" dirty="0"/>
+              <a:t>Incremental Translation</a:t>
+            </a:r>
+            <a:r>
+              <a:rPr lang="en-US" sz="3200" dirty="0"/>
+              <a:t>[</a:t>
+            </a:r>
+            <a:r>
+              <a:rPr lang="zh-CN" altLang="en-US" sz="3200" dirty="0"/>
               <a:t>增量翻译</a:t>
             </a:r>
             <a:r>
-              <a:rPr lang="en-US" dirty="0"/>
+              <a:rPr lang="en-US" sz="3200" dirty="0"/>
               <a:t>]</a:t>
             </a:r>
           </a:p>
@@ -10614,14 +10618,18 @@
             </a:r>
             <a:r>
               <a:rPr lang="en-US" dirty="0"/>
-              <a:t>: Array Reference[</a:t>
-            </a:r>
-            <a:r>
-              <a:rPr lang="zh-CN" altLang="en-US" dirty="0"/>
+              <a:t>: Array Reference</a:t>
+            </a:r>
+            <a:r>
+              <a:rPr lang="en-US" sz="3200" dirty="0"/>
+              <a:t>[</a:t>
+            </a:r>
+            <a:r>
+              <a:rPr lang="zh-CN" altLang="en-US" sz="3200" dirty="0"/>
               <a:t>数组引用</a:t>
             </a:r>
             <a:r>
-              <a:rPr lang="en-US" dirty="0"/>
+              <a:rPr lang="en-US" sz="3200" dirty="0"/>
               <a:t>]</a:t>
             </a:r>
           </a:p>
@@ -20642,21 +20650,21 @@
           <a:p>
             <a:r>
               <a:rPr lang="en-US" dirty="0"/>
-              <a:t>Code Generation </a:t>
-            </a:r>
-            <a:r>
-              <a:rPr lang="en-US" altLang="zh-CN" dirty="0"/>
+              <a:t>Code Generation</a:t>
+            </a:r>
+            <a:r>
+              <a:rPr lang="en-US" altLang="zh-CN" sz="3200" dirty="0"/>
               <a:t>[</a:t>
             </a:r>
             <a:r>
-              <a:rPr lang="zh-CN" altLang="en-US" dirty="0"/>
+              <a:rPr lang="zh-CN" altLang="en-US" sz="3200" dirty="0"/>
               <a:t>代码生成</a:t>
             </a:r>
             <a:r>
-              <a:rPr lang="en-US" altLang="zh-CN" dirty="0"/>
+              <a:rPr lang="en-US" altLang="zh-CN" sz="3200" dirty="0"/>
               <a:t>]</a:t>
             </a:r>
-            <a:endParaRPr lang="en-US" dirty="0"/>
+            <a:endParaRPr lang="en-US" sz="3200" dirty="0"/>
           </a:p>
         </p:txBody>
       </p:sp>
@@ -20905,14 +20913,18 @@
           <a:p>
             <a:r>
               <a:rPr lang="en-US" dirty="0"/>
-              <a:t>Type Expressions [</a:t>
-            </a:r>
-            <a:r>
-              <a:rPr lang="zh-CN" altLang="en-US" dirty="0"/>
+              <a:t>Type Expressions</a:t>
+            </a:r>
+            <a:r>
+              <a:rPr lang="en-US" sz="3200" dirty="0"/>
+              <a:t>[</a:t>
+            </a:r>
+            <a:r>
+              <a:rPr lang="zh-CN" altLang="en-US" sz="3200" dirty="0"/>
               <a:t>类型表达式</a:t>
             </a:r>
             <a:r>
-              <a:rPr lang="en-US" dirty="0"/>
+              <a:rPr lang="en-US" sz="3200" dirty="0"/>
               <a:t>]</a:t>
             </a:r>
           </a:p>
